--- a/.vscode/snake/library management/Library_manager_presentation.pptx
+++ b/.vscode/snake/library management/Library_manager_presentation.pptx
@@ -15,23 +15,26 @@
     <p:sldId id="260" r:id="rId10"/>
     <p:sldId id="261" r:id="rId11"/>
     <p:sldId id="262" r:id="rId12"/>
+    <p:sldId id="263" r:id="rId13"/>
+    <p:sldId id="264" r:id="rId14"/>
+    <p:sldId id="265" r:id="rId15"/>
   </p:sldIdLst>
   <p:sldSz cy="5143500" cx="9144000"/>
   <p:notesSz cx="6858000" cy="9144000"/>
   <p:embeddedFontLst>
     <p:embeddedFont>
       <p:font typeface="Raleway"/>
-      <p:regular r:id="rId13"/>
-      <p:bold r:id="rId14"/>
-      <p:italic r:id="rId15"/>
-      <p:boldItalic r:id="rId16"/>
+      <p:regular r:id="rId16"/>
+      <p:bold r:id="rId17"/>
+      <p:italic r:id="rId18"/>
+      <p:boldItalic r:id="rId19"/>
     </p:embeddedFont>
     <p:embeddedFont>
       <p:font typeface="Lato"/>
-      <p:regular r:id="rId17"/>
-      <p:bold r:id="rId18"/>
-      <p:italic r:id="rId19"/>
-      <p:boldItalic r:id="rId20"/>
+      <p:regular r:id="rId20"/>
+      <p:bold r:id="rId21"/>
+      <p:italic r:id="rId22"/>
+      <p:boldItalic r:id="rId23"/>
     </p:embeddedFont>
   </p:embeddedFontLst>
   <p:defaultTextStyle>
@@ -807,6 +810,105 @@
 </p:notes>
 </file>
 
+<file path=ppt/notesSlides/notesSlide10.xml><?xml version="1.0" encoding="utf-8"?>
+<p:notes xmlns:a="http://schemas.openxmlformats.org/drawingml/2006/main" xmlns:r="http://schemas.openxmlformats.org/officeDocument/2006/relationships" xmlns:mc="http://schemas.openxmlformats.org/markup-compatibility/2006" xmlns:mv="urn:schemas-microsoft-com:mac:vml" xmlns:p="http://schemas.openxmlformats.org/presentationml/2006/main" xmlns:c="http://schemas.openxmlformats.org/drawingml/2006/chart" xmlns:dgm="http://schemas.openxmlformats.org/drawingml/2006/diagram" xmlns:o="urn:schemas-microsoft-com:office:office" xmlns:v="urn:schemas-microsoft-com:vml" xmlns:pvml="urn:schemas-microsoft-com:office:powerpoint" xmlns:com="http://schemas.openxmlformats.org/drawingml/2006/compatibility" xmlns:p14="http://schemas.microsoft.com/office/powerpoint/2010/main" xmlns:p15="http://schemas.microsoft.com/office/powerpoint/2012/main" xmlns:ahyp="http://schemas.microsoft.com/office/drawing/2018/hyperlinkcolor" showMasterPhAnim="0" showMasterSp="0">
+  <p:cSld>
+    <p:spTree>
+      <p:nvGrpSpPr>
+        <p:cNvPr id="127" name="Shape 127"/>
+        <p:cNvGrpSpPr/>
+        <p:nvPr/>
+      </p:nvGrpSpPr>
+      <p:grpSpPr>
+        <a:xfrm>
+          <a:off x="0" y="0"/>
+          <a:ext cx="0" cy="0"/>
+          <a:chOff x="0" y="0"/>
+          <a:chExt cx="0" cy="0"/>
+        </a:xfrm>
+      </p:grpSpPr>
+      <p:sp>
+        <p:nvSpPr>
+          <p:cNvPr id="128" name="Google Shape;128;gcb9a0b074_1_213:notes"/>
+          <p:cNvSpPr/>
+          <p:nvPr>
+            <p:ph idx="2" type="sldImg"/>
+          </p:nvPr>
+        </p:nvSpPr>
+        <p:spPr>
+          <a:xfrm>
+            <a:off x="381300" y="685800"/>
+            <a:ext cx="6096000" cy="3429000"/>
+          </a:xfrm>
+          <a:custGeom>
+            <a:rect b="b" l="l" r="r" t="t"/>
+            <a:pathLst>
+              <a:path extrusionOk="0" h="120000" w="120000">
+                <a:moveTo>
+                  <a:pt x="0" y="0"/>
+                </a:moveTo>
+                <a:lnTo>
+                  <a:pt x="120000" y="0"/>
+                </a:lnTo>
+                <a:lnTo>
+                  <a:pt x="120000" y="120000"/>
+                </a:lnTo>
+                <a:lnTo>
+                  <a:pt x="0" y="120000"/>
+                </a:lnTo>
+                <a:close/>
+              </a:path>
+            </a:pathLst>
+          </a:custGeom>
+        </p:spPr>
+      </p:sp>
+      <p:sp>
+        <p:nvSpPr>
+          <p:cNvPr id="129" name="Google Shape;129;gcb9a0b074_1_213:notes"/>
+          <p:cNvSpPr txBox="1"/>
+          <p:nvPr>
+            <p:ph idx="1" type="body"/>
+          </p:nvPr>
+        </p:nvSpPr>
+        <p:spPr>
+          <a:xfrm>
+            <a:off x="685800" y="4343400"/>
+            <a:ext cx="5486400" cy="4114800"/>
+          </a:xfrm>
+          <a:prstGeom prst="rect">
+            <a:avLst/>
+          </a:prstGeom>
+        </p:spPr>
+        <p:txBody>
+          <a:bodyPr anchorCtr="0" anchor="t" bIns="91425" lIns="91425" spcFirstLastPara="1" rIns="91425" wrap="square" tIns="91425">
+            <a:noAutofit/>
+          </a:bodyPr>
+          <a:lstStyle/>
+          <a:p>
+            <a:pPr indent="0" lvl="0" marL="0" rtl="0" algn="l">
+              <a:spcBef>
+                <a:spcPts val="0"/>
+              </a:spcBef>
+              <a:spcAft>
+                <a:spcPts val="0"/>
+              </a:spcAft>
+              <a:buNone/>
+            </a:pPr>
+            <a:r>
+              <a:t/>
+            </a:r>
+            <a:endParaRPr/>
+          </a:p>
+        </p:txBody>
+      </p:sp>
+    </p:spTree>
+  </p:cSld>
+  <p:clrMapOvr>
+    <a:masterClrMapping/>
+  </p:clrMapOvr>
+</p:notes>
+</file>
+
 <file path=ppt/notesSlides/notesSlide2.xml><?xml version="1.0" encoding="utf-8"?>
 <p:notes xmlns:a="http://schemas.openxmlformats.org/drawingml/2006/main" xmlns:r="http://schemas.openxmlformats.org/officeDocument/2006/relationships" xmlns:mc="http://schemas.openxmlformats.org/markup-compatibility/2006" xmlns:mv="urn:schemas-microsoft-com:mac:vml" xmlns:p="http://schemas.openxmlformats.org/presentationml/2006/main" xmlns:c="http://schemas.openxmlformats.org/drawingml/2006/chart" xmlns:dgm="http://schemas.openxmlformats.org/drawingml/2006/diagram" xmlns:o="urn:schemas-microsoft-com:office:office" xmlns:v="urn:schemas-microsoft-com:vml" xmlns:pvml="urn:schemas-microsoft-com:office:powerpoint" xmlns:com="http://schemas.openxmlformats.org/drawingml/2006/compatibility" xmlns:p14="http://schemas.microsoft.com/office/powerpoint/2010/main" xmlns:p15="http://schemas.microsoft.com/office/powerpoint/2012/main" xmlns:ahyp="http://schemas.microsoft.com/office/drawing/2018/hyperlinkcolor" showMasterPhAnim="0" showMasterSp="0">
   <p:cSld>
@@ -1307,7 +1409,7 @@
   <p:cSld>
     <p:spTree>
       <p:nvGrpSpPr>
-        <p:cNvPr id="109" name="Shape 109"/>
+        <p:cNvPr id="106" name="Shape 106"/>
         <p:cNvGrpSpPr/>
         <p:nvPr/>
       </p:nvGrpSpPr>
@@ -1321,7 +1423,7 @@
       </p:grpSpPr>
       <p:sp>
         <p:nvSpPr>
-          <p:cNvPr id="110" name="Google Shape;110;gcb9a0b074_1_213:notes"/>
+          <p:cNvPr id="107" name="Google Shape;107;g118e74b0cdb_1_1:notes"/>
           <p:cNvSpPr/>
           <p:nvPr>
             <p:ph idx="2" type="sldImg"/>
@@ -1356,7 +1458,205 @@
       </p:sp>
       <p:sp>
         <p:nvSpPr>
-          <p:cNvPr id="111" name="Google Shape;111;gcb9a0b074_1_213:notes"/>
+          <p:cNvPr id="108" name="Google Shape;108;g118e74b0cdb_1_1:notes"/>
+          <p:cNvSpPr txBox="1"/>
+          <p:nvPr>
+            <p:ph idx="1" type="body"/>
+          </p:nvPr>
+        </p:nvSpPr>
+        <p:spPr>
+          <a:xfrm>
+            <a:off x="685800" y="4343400"/>
+            <a:ext cx="5486400" cy="4114800"/>
+          </a:xfrm>
+          <a:prstGeom prst="rect">
+            <a:avLst/>
+          </a:prstGeom>
+        </p:spPr>
+        <p:txBody>
+          <a:bodyPr anchorCtr="0" anchor="t" bIns="91425" lIns="91425" spcFirstLastPara="1" rIns="91425" wrap="square" tIns="91425">
+            <a:noAutofit/>
+          </a:bodyPr>
+          <a:lstStyle/>
+          <a:p>
+            <a:pPr indent="0" lvl="0" marL="0" rtl="0" algn="l">
+              <a:spcBef>
+                <a:spcPts val="0"/>
+              </a:spcBef>
+              <a:spcAft>
+                <a:spcPts val="0"/>
+              </a:spcAft>
+              <a:buNone/>
+            </a:pPr>
+            <a:r>
+              <a:t/>
+            </a:r>
+            <a:endParaRPr/>
+          </a:p>
+        </p:txBody>
+      </p:sp>
+    </p:spTree>
+  </p:cSld>
+  <p:clrMapOvr>
+    <a:masterClrMapping/>
+  </p:clrMapOvr>
+</p:notes>
+</file>
+
+<file path=ppt/notesSlides/notesSlide8.xml><?xml version="1.0" encoding="utf-8"?>
+<p:notes xmlns:a="http://schemas.openxmlformats.org/drawingml/2006/main" xmlns:r="http://schemas.openxmlformats.org/officeDocument/2006/relationships" xmlns:mc="http://schemas.openxmlformats.org/markup-compatibility/2006" xmlns:mv="urn:schemas-microsoft-com:mac:vml" xmlns:p="http://schemas.openxmlformats.org/presentationml/2006/main" xmlns:c="http://schemas.openxmlformats.org/drawingml/2006/chart" xmlns:dgm="http://schemas.openxmlformats.org/drawingml/2006/diagram" xmlns:o="urn:schemas-microsoft-com:office:office" xmlns:v="urn:schemas-microsoft-com:vml" xmlns:pvml="urn:schemas-microsoft-com:office:powerpoint" xmlns:com="http://schemas.openxmlformats.org/drawingml/2006/compatibility" xmlns:p14="http://schemas.microsoft.com/office/powerpoint/2010/main" xmlns:p15="http://schemas.microsoft.com/office/powerpoint/2012/main" xmlns:ahyp="http://schemas.microsoft.com/office/drawing/2018/hyperlinkcolor" showMasterPhAnim="0" showMasterSp="0">
+  <p:cSld>
+    <p:spTree>
+      <p:nvGrpSpPr>
+        <p:cNvPr id="112" name="Shape 112"/>
+        <p:cNvGrpSpPr/>
+        <p:nvPr/>
+      </p:nvGrpSpPr>
+      <p:grpSpPr>
+        <a:xfrm>
+          <a:off x="0" y="0"/>
+          <a:ext cx="0" cy="0"/>
+          <a:chOff x="0" y="0"/>
+          <a:chExt cx="0" cy="0"/>
+        </a:xfrm>
+      </p:grpSpPr>
+      <p:sp>
+        <p:nvSpPr>
+          <p:cNvPr id="113" name="Google Shape;113;g118e74b0cdb_1_7:notes"/>
+          <p:cNvSpPr/>
+          <p:nvPr>
+            <p:ph idx="2" type="sldImg"/>
+          </p:nvPr>
+        </p:nvSpPr>
+        <p:spPr>
+          <a:xfrm>
+            <a:off x="381300" y="685800"/>
+            <a:ext cx="6096000" cy="3429000"/>
+          </a:xfrm>
+          <a:custGeom>
+            <a:rect b="b" l="l" r="r" t="t"/>
+            <a:pathLst>
+              <a:path extrusionOk="0" h="120000" w="120000">
+                <a:moveTo>
+                  <a:pt x="0" y="0"/>
+                </a:moveTo>
+                <a:lnTo>
+                  <a:pt x="120000" y="0"/>
+                </a:lnTo>
+                <a:lnTo>
+                  <a:pt x="120000" y="120000"/>
+                </a:lnTo>
+                <a:lnTo>
+                  <a:pt x="0" y="120000"/>
+                </a:lnTo>
+                <a:close/>
+              </a:path>
+            </a:pathLst>
+          </a:custGeom>
+        </p:spPr>
+      </p:sp>
+      <p:sp>
+        <p:nvSpPr>
+          <p:cNvPr id="114" name="Google Shape;114;g118e74b0cdb_1_7:notes"/>
+          <p:cNvSpPr txBox="1"/>
+          <p:nvPr>
+            <p:ph idx="1" type="body"/>
+          </p:nvPr>
+        </p:nvSpPr>
+        <p:spPr>
+          <a:xfrm>
+            <a:off x="685800" y="4343400"/>
+            <a:ext cx="5486400" cy="4114800"/>
+          </a:xfrm>
+          <a:prstGeom prst="rect">
+            <a:avLst/>
+          </a:prstGeom>
+        </p:spPr>
+        <p:txBody>
+          <a:bodyPr anchorCtr="0" anchor="t" bIns="91425" lIns="91425" spcFirstLastPara="1" rIns="91425" wrap="square" tIns="91425">
+            <a:noAutofit/>
+          </a:bodyPr>
+          <a:lstStyle/>
+          <a:p>
+            <a:pPr indent="0" lvl="0" marL="0" rtl="0" algn="l">
+              <a:spcBef>
+                <a:spcPts val="0"/>
+              </a:spcBef>
+              <a:spcAft>
+                <a:spcPts val="0"/>
+              </a:spcAft>
+              <a:buNone/>
+            </a:pPr>
+            <a:r>
+              <a:t/>
+            </a:r>
+            <a:endParaRPr/>
+          </a:p>
+        </p:txBody>
+      </p:sp>
+    </p:spTree>
+  </p:cSld>
+  <p:clrMapOvr>
+    <a:masterClrMapping/>
+  </p:clrMapOvr>
+</p:notes>
+</file>
+
+<file path=ppt/notesSlides/notesSlide9.xml><?xml version="1.0" encoding="utf-8"?>
+<p:notes xmlns:a="http://schemas.openxmlformats.org/drawingml/2006/main" xmlns:r="http://schemas.openxmlformats.org/officeDocument/2006/relationships" xmlns:mc="http://schemas.openxmlformats.org/markup-compatibility/2006" xmlns:mv="urn:schemas-microsoft-com:mac:vml" xmlns:p="http://schemas.openxmlformats.org/presentationml/2006/main" xmlns:c="http://schemas.openxmlformats.org/drawingml/2006/chart" xmlns:dgm="http://schemas.openxmlformats.org/drawingml/2006/diagram" xmlns:o="urn:schemas-microsoft-com:office:office" xmlns:v="urn:schemas-microsoft-com:vml" xmlns:pvml="urn:schemas-microsoft-com:office:powerpoint" xmlns:com="http://schemas.openxmlformats.org/drawingml/2006/compatibility" xmlns:p14="http://schemas.microsoft.com/office/powerpoint/2010/main" xmlns:p15="http://schemas.microsoft.com/office/powerpoint/2012/main" xmlns:ahyp="http://schemas.microsoft.com/office/drawing/2018/hyperlinkcolor" showMasterPhAnim="0" showMasterSp="0">
+  <p:cSld>
+    <p:spTree>
+      <p:nvGrpSpPr>
+        <p:cNvPr id="119" name="Shape 119"/>
+        <p:cNvGrpSpPr/>
+        <p:nvPr/>
+      </p:nvGrpSpPr>
+      <p:grpSpPr>
+        <a:xfrm>
+          <a:off x="0" y="0"/>
+          <a:ext cx="0" cy="0"/>
+          <a:chOff x="0" y="0"/>
+          <a:chExt cx="0" cy="0"/>
+        </a:xfrm>
+      </p:grpSpPr>
+      <p:sp>
+        <p:nvSpPr>
+          <p:cNvPr id="120" name="Google Shape;120;g118e74b0cdb_1_19:notes"/>
+          <p:cNvSpPr/>
+          <p:nvPr>
+            <p:ph idx="2" type="sldImg"/>
+          </p:nvPr>
+        </p:nvSpPr>
+        <p:spPr>
+          <a:xfrm>
+            <a:off x="381300" y="685800"/>
+            <a:ext cx="6096000" cy="3429000"/>
+          </a:xfrm>
+          <a:custGeom>
+            <a:rect b="b" l="l" r="r" t="t"/>
+            <a:pathLst>
+              <a:path extrusionOk="0" h="120000" w="120000">
+                <a:moveTo>
+                  <a:pt x="0" y="0"/>
+                </a:moveTo>
+                <a:lnTo>
+                  <a:pt x="120000" y="0"/>
+                </a:lnTo>
+                <a:lnTo>
+                  <a:pt x="120000" y="120000"/>
+                </a:lnTo>
+                <a:lnTo>
+                  <a:pt x="0" y="120000"/>
+                </a:lnTo>
+                <a:close/>
+              </a:path>
+            </a:pathLst>
+          </a:custGeom>
+        </p:spPr>
+      </p:sp>
+      <p:sp>
+        <p:nvSpPr>
+          <p:cNvPr id="121" name="Google Shape;121;g118e74b0cdb_1_19:notes"/>
           <p:cNvSpPr txBox="1"/>
           <p:nvPr>
             <p:ph idx="1" type="body"/>
@@ -7528,6 +7828,430 @@
 </p:sld>
 </file>
 
+<file path=ppt/slides/slide10.xml><?xml version="1.0" encoding="utf-8"?>
+<p:sld xmlns:a="http://schemas.openxmlformats.org/drawingml/2006/main" xmlns:r="http://schemas.openxmlformats.org/officeDocument/2006/relationships" xmlns:mc="http://schemas.openxmlformats.org/markup-compatibility/2006" xmlns:mv="urn:schemas-microsoft-com:mac:vml" xmlns:p="http://schemas.openxmlformats.org/presentationml/2006/main" xmlns:c="http://schemas.openxmlformats.org/drawingml/2006/chart" xmlns:dgm="http://schemas.openxmlformats.org/drawingml/2006/diagram" xmlns:o="urn:schemas-microsoft-com:office:office" xmlns:v="urn:schemas-microsoft-com:vml" xmlns:pvml="urn:schemas-microsoft-com:office:powerpoint" xmlns:com="http://schemas.openxmlformats.org/drawingml/2006/compatibility" xmlns:p14="http://schemas.microsoft.com/office/powerpoint/2010/main" xmlns:p15="http://schemas.microsoft.com/office/powerpoint/2012/main" xmlns:ahyp="http://schemas.microsoft.com/office/drawing/2018/hyperlinkcolor">
+  <p:cSld>
+    <p:bg>
+      <p:bgPr>
+        <a:blipFill>
+          <a:blip r:embed="rId3">
+            <a:alphaModFix/>
+          </a:blip>
+          <a:stretch>
+            <a:fillRect/>
+          </a:stretch>
+        </a:blipFill>
+      </p:bgPr>
+    </p:bg>
+    <p:spTree>
+      <p:nvGrpSpPr>
+        <p:cNvPr id="130" name="Shape 130"/>
+        <p:cNvGrpSpPr/>
+        <p:nvPr/>
+      </p:nvGrpSpPr>
+      <p:grpSpPr>
+        <a:xfrm>
+          <a:off x="0" y="0"/>
+          <a:ext cx="0" cy="0"/>
+          <a:chOff x="0" y="0"/>
+          <a:chExt cx="0" cy="0"/>
+        </a:xfrm>
+      </p:grpSpPr>
+      <p:pic>
+        <p:nvPicPr>
+          <p:cNvPr id="131" name="Google Shape;131;p22"/>
+          <p:cNvPicPr preferRelativeResize="0"/>
+          <p:nvPr/>
+        </p:nvPicPr>
+        <p:blipFill>
+          <a:blip r:embed="rId4">
+            <a:alphaModFix/>
+          </a:blip>
+          <a:stretch>
+            <a:fillRect/>
+          </a:stretch>
+        </p:blipFill>
+        <p:spPr>
+          <a:xfrm>
+            <a:off x="2303600" y="162725"/>
+            <a:ext cx="4631600" cy="4818049"/>
+          </a:xfrm>
+          <a:prstGeom prst="rect">
+            <a:avLst/>
+          </a:prstGeom>
+          <a:noFill/>
+          <a:ln>
+            <a:noFill/>
+          </a:ln>
+        </p:spPr>
+      </p:pic>
+      <p:pic>
+        <p:nvPicPr>
+          <p:cNvPr descr="Piece of duct tape sticking a note to the slide" id="132" name="Google Shape;132;p22"/>
+          <p:cNvPicPr preferRelativeResize="0"/>
+          <p:nvPr/>
+        </p:nvPicPr>
+        <p:blipFill rotWithShape="1">
+          <a:blip r:embed="rId5">
+            <a:alphaModFix/>
+          </a:blip>
+          <a:srcRect b="10011" l="9244" r="2118" t="5926"/>
+          <a:stretch/>
+        </p:blipFill>
+        <p:spPr>
+          <a:xfrm rot="154828">
+            <a:off x="3536000" y="147301"/>
+            <a:ext cx="2072000" cy="736050"/>
+          </a:xfrm>
+          <a:prstGeom prst="rect">
+            <a:avLst/>
+          </a:prstGeom>
+          <a:noFill/>
+          <a:ln>
+            <a:noFill/>
+          </a:ln>
+        </p:spPr>
+      </p:pic>
+      <p:sp>
+        <p:nvSpPr>
+          <p:cNvPr id="133" name="Google Shape;133;p22"/>
+          <p:cNvSpPr txBox="1"/>
+          <p:nvPr/>
+        </p:nvSpPr>
+        <p:spPr>
+          <a:xfrm>
+            <a:off x="2523000" y="760525"/>
+            <a:ext cx="4254600" cy="762600"/>
+          </a:xfrm>
+          <a:prstGeom prst="rect">
+            <a:avLst/>
+          </a:prstGeom>
+          <a:noFill/>
+          <a:ln>
+            <a:noFill/>
+          </a:ln>
+        </p:spPr>
+        <p:txBody>
+          <a:bodyPr anchorCtr="0" anchor="b" bIns="91425" lIns="91425" spcFirstLastPara="1" rIns="91425" wrap="square" tIns="91425">
+            <a:noAutofit/>
+          </a:bodyPr>
+          <a:lstStyle/>
+          <a:p>
+            <a:pPr indent="0" lvl="0" marL="0" rtl="0" algn="l">
+              <a:spcBef>
+                <a:spcPts val="0"/>
+              </a:spcBef>
+              <a:spcAft>
+                <a:spcPts val="0"/>
+              </a:spcAft>
+              <a:buNone/>
+            </a:pPr>
+            <a:r>
+              <a:rPr b="1" lang="en" sz="3000">
+                <a:solidFill>
+                  <a:schemeClr val="lt2"/>
+                </a:solidFill>
+                <a:latin typeface="Raleway"/>
+                <a:ea typeface="Raleway"/>
+                <a:cs typeface="Raleway"/>
+                <a:sym typeface="Raleway"/>
+              </a:rPr>
+              <a:t>5. End of Presentation</a:t>
+            </a:r>
+            <a:endParaRPr b="1" sz="3000">
+              <a:solidFill>
+                <a:schemeClr val="lt2"/>
+              </a:solidFill>
+              <a:latin typeface="Raleway"/>
+              <a:ea typeface="Raleway"/>
+              <a:cs typeface="Raleway"/>
+              <a:sym typeface="Raleway"/>
+            </a:endParaRPr>
+          </a:p>
+        </p:txBody>
+      </p:sp>
+      <p:sp>
+        <p:nvSpPr>
+          <p:cNvPr id="134" name="Google Shape;134;p22"/>
+          <p:cNvSpPr txBox="1"/>
+          <p:nvPr>
+            <p:ph idx="4294967295" type="body"/>
+          </p:nvPr>
+        </p:nvSpPr>
+        <p:spPr>
+          <a:xfrm>
+            <a:off x="2855550" y="1377478"/>
+            <a:ext cx="3432900" cy="1633500"/>
+          </a:xfrm>
+          <a:prstGeom prst="rect">
+            <a:avLst/>
+          </a:prstGeom>
+        </p:spPr>
+        <p:txBody>
+          <a:bodyPr anchorCtr="0" anchor="t" bIns="91425" lIns="91425" spcFirstLastPara="1" rIns="91425" wrap="square" tIns="91425">
+            <a:noAutofit/>
+          </a:bodyPr>
+          <a:lstStyle/>
+          <a:p>
+            <a:pPr indent="0" lvl="0" marL="0" rtl="0" algn="l">
+              <a:spcBef>
+                <a:spcPts val="0"/>
+              </a:spcBef>
+              <a:spcAft>
+                <a:spcPts val="0"/>
+              </a:spcAft>
+              <a:buClr>
+                <a:schemeClr val="dk2"/>
+              </a:buClr>
+              <a:buSzPts val="1100"/>
+              <a:buFont typeface="Arial"/>
+              <a:buNone/>
+            </a:pPr>
+            <a:r>
+              <a:rPr lang="en" sz="1200">
+                <a:latin typeface="Raleway"/>
+                <a:ea typeface="Raleway"/>
+                <a:cs typeface="Raleway"/>
+                <a:sym typeface="Raleway"/>
+              </a:rPr>
+              <a:t>I’ll</a:t>
+            </a:r>
+            <a:r>
+              <a:rPr lang="en" sz="1200">
+                <a:latin typeface="Raleway"/>
+                <a:ea typeface="Raleway"/>
+                <a:cs typeface="Raleway"/>
+                <a:sym typeface="Raleway"/>
+              </a:rPr>
+              <a:t> hope you’ll find it helpful,</a:t>
+            </a:r>
+            <a:br>
+              <a:rPr lang="en" sz="1200">
+                <a:latin typeface="Raleway"/>
+                <a:ea typeface="Raleway"/>
+                <a:cs typeface="Raleway"/>
+                <a:sym typeface="Raleway"/>
+              </a:rPr>
+            </a:br>
+            <a:r>
+              <a:rPr lang="en" sz="1200">
+                <a:latin typeface="Raleway"/>
+                <a:ea typeface="Raleway"/>
+                <a:cs typeface="Raleway"/>
+                <a:sym typeface="Raleway"/>
+              </a:rPr>
+              <a:t>If you have any query please reach out.</a:t>
+            </a:r>
+            <a:endParaRPr sz="1200">
+              <a:latin typeface="Raleway"/>
+              <a:ea typeface="Raleway"/>
+              <a:cs typeface="Raleway"/>
+              <a:sym typeface="Raleway"/>
+            </a:endParaRPr>
+          </a:p>
+          <a:p>
+            <a:pPr indent="0" lvl="0" marL="0" rtl="0" algn="l">
+              <a:spcBef>
+                <a:spcPts val="1200"/>
+              </a:spcBef>
+              <a:spcAft>
+                <a:spcPts val="0"/>
+              </a:spcAft>
+              <a:buNone/>
+            </a:pPr>
+            <a:r>
+              <a:rPr lang="en" sz="1200">
+                <a:latin typeface="Raleway"/>
+                <a:ea typeface="Raleway"/>
+                <a:cs typeface="Raleway"/>
+                <a:sym typeface="Raleway"/>
+              </a:rPr>
+              <a:t>Thank You, </a:t>
+            </a:r>
+            <a:endParaRPr sz="1200">
+              <a:latin typeface="Raleway"/>
+              <a:ea typeface="Raleway"/>
+              <a:cs typeface="Raleway"/>
+              <a:sym typeface="Raleway"/>
+            </a:endParaRPr>
+          </a:p>
+          <a:p>
+            <a:pPr indent="0" lvl="0" marL="0" rtl="0" algn="l">
+              <a:spcBef>
+                <a:spcPts val="1200"/>
+              </a:spcBef>
+              <a:spcAft>
+                <a:spcPts val="0"/>
+              </a:spcAft>
+              <a:buNone/>
+            </a:pPr>
+            <a:r>
+              <a:rPr lang="en" sz="1200">
+                <a:latin typeface="Raleway"/>
+                <a:ea typeface="Raleway"/>
+                <a:cs typeface="Raleway"/>
+                <a:sym typeface="Raleway"/>
+              </a:rPr>
+              <a:t>It’s Priyansh, Signing Out daaaa.</a:t>
+            </a:r>
+            <a:endParaRPr sz="1200">
+              <a:latin typeface="Raleway"/>
+              <a:ea typeface="Raleway"/>
+              <a:cs typeface="Raleway"/>
+              <a:sym typeface="Raleway"/>
+            </a:endParaRPr>
+          </a:p>
+          <a:p>
+            <a:pPr indent="0" lvl="0" marL="0" rtl="0" algn="l">
+              <a:spcBef>
+                <a:spcPts val="1200"/>
+              </a:spcBef>
+              <a:spcAft>
+                <a:spcPts val="1200"/>
+              </a:spcAft>
+              <a:buNone/>
+            </a:pPr>
+            <a:br>
+              <a:rPr lang="en" sz="1200">
+                <a:latin typeface="Raleway"/>
+                <a:ea typeface="Raleway"/>
+                <a:cs typeface="Raleway"/>
+                <a:sym typeface="Raleway"/>
+              </a:rPr>
+            </a:br>
+            <a:endParaRPr sz="1200" u="sng">
+              <a:solidFill>
+                <a:schemeClr val="dk1"/>
+              </a:solidFill>
+              <a:latin typeface="Raleway"/>
+              <a:ea typeface="Raleway"/>
+              <a:cs typeface="Raleway"/>
+              <a:sym typeface="Raleway"/>
+            </a:endParaRPr>
+          </a:p>
+        </p:txBody>
+      </p:sp>
+      <p:sp>
+        <p:nvSpPr>
+          <p:cNvPr id="135" name="Google Shape;135;p22"/>
+          <p:cNvSpPr txBox="1"/>
+          <p:nvPr/>
+        </p:nvSpPr>
+        <p:spPr>
+          <a:xfrm>
+            <a:off x="2778975" y="3083650"/>
+            <a:ext cx="3432900" cy="615600"/>
+          </a:xfrm>
+          <a:prstGeom prst="rect">
+            <a:avLst/>
+          </a:prstGeom>
+          <a:noFill/>
+          <a:ln>
+            <a:noFill/>
+          </a:ln>
+        </p:spPr>
+        <p:txBody>
+          <a:bodyPr anchorCtr="0" anchor="t" bIns="91425" lIns="91425" spcFirstLastPara="1" rIns="91425" wrap="square" tIns="91425">
+            <a:spAutoFit/>
+          </a:bodyPr>
+          <a:lstStyle/>
+          <a:p>
+            <a:pPr indent="0" lvl="0" marL="0" rtl="0" algn="l">
+              <a:spcBef>
+                <a:spcPts val="0"/>
+              </a:spcBef>
+              <a:spcAft>
+                <a:spcPts val="0"/>
+              </a:spcAft>
+              <a:buNone/>
+            </a:pPr>
+            <a:r>
+              <a:rPr lang="en">
+                <a:latin typeface="Lato"/>
+                <a:ea typeface="Lato"/>
+                <a:cs typeface="Lato"/>
+                <a:sym typeface="Lato"/>
+              </a:rPr>
+              <a:t>You can find the code or other crazy thing on my github.</a:t>
+            </a:r>
+            <a:endParaRPr>
+              <a:latin typeface="Lato"/>
+              <a:ea typeface="Lato"/>
+              <a:cs typeface="Lato"/>
+              <a:sym typeface="Lato"/>
+            </a:endParaRPr>
+          </a:p>
+        </p:txBody>
+      </p:sp>
+      <p:sp>
+        <p:nvSpPr>
+          <p:cNvPr id="136" name="Google Shape;136;p22"/>
+          <p:cNvSpPr txBox="1"/>
+          <p:nvPr/>
+        </p:nvSpPr>
+        <p:spPr>
+          <a:xfrm>
+            <a:off x="2855550" y="3699250"/>
+            <a:ext cx="3729600" cy="400200"/>
+          </a:xfrm>
+          <a:prstGeom prst="rect">
+            <a:avLst/>
+          </a:prstGeom>
+          <a:noFill/>
+          <a:ln>
+            <a:noFill/>
+          </a:ln>
+        </p:spPr>
+        <p:txBody>
+          <a:bodyPr anchorCtr="0" anchor="t" bIns="91425" lIns="91425" spcFirstLastPara="1" rIns="91425" wrap="square" tIns="91425">
+            <a:spAutoFit/>
+          </a:bodyPr>
+          <a:lstStyle/>
+          <a:p>
+            <a:pPr indent="0" lvl="0" marL="0" rtl="0" algn="l">
+              <a:spcBef>
+                <a:spcPts val="0"/>
+              </a:spcBef>
+              <a:spcAft>
+                <a:spcPts val="0"/>
+              </a:spcAft>
+              <a:buClr>
+                <a:schemeClr val="dk2"/>
+              </a:buClr>
+              <a:buSzPts val="1100"/>
+              <a:buFont typeface="Arial"/>
+              <a:buNone/>
+            </a:pPr>
+            <a:r>
+              <a:rPr lang="en" u="sng">
+                <a:solidFill>
+                  <a:schemeClr val="hlink"/>
+                </a:solidFill>
+                <a:latin typeface="Lato"/>
+                <a:ea typeface="Lato"/>
+                <a:cs typeface="Lato"/>
+                <a:sym typeface="Lato"/>
+                <a:hlinkClick r:id="rId6"/>
+              </a:rPr>
+              <a:t>https://github.com/MrXisOnline/</a:t>
+            </a:r>
+            <a:endParaRPr>
+              <a:latin typeface="Lato"/>
+              <a:ea typeface="Lato"/>
+              <a:cs typeface="Lato"/>
+              <a:sym typeface="Lato"/>
+            </a:endParaRPr>
+          </a:p>
+        </p:txBody>
+      </p:sp>
+    </p:spTree>
+  </p:cSld>
+  <p:clrMapOvr>
+    <a:masterClrMapping/>
+  </p:clrMapOvr>
+</p:sld>
+</file>
+
 <file path=ppt/slides/slide2.xml><?xml version="1.0" encoding="utf-8"?>
 <p:sld xmlns:a="http://schemas.openxmlformats.org/drawingml/2006/main" xmlns:r="http://schemas.openxmlformats.org/officeDocument/2006/relationships" xmlns:mc="http://schemas.openxmlformats.org/markup-compatibility/2006" xmlns:mv="urn:schemas-microsoft-com:mac:vml" xmlns:p="http://schemas.openxmlformats.org/presentationml/2006/main" xmlns:c="http://schemas.openxmlformats.org/drawingml/2006/chart" xmlns:dgm="http://schemas.openxmlformats.org/drawingml/2006/diagram" xmlns:o="urn:schemas-microsoft-com:office:office" xmlns:v="urn:schemas-microsoft-com:vml" xmlns:pvml="urn:schemas-microsoft-com:office:powerpoint" xmlns:com="http://schemas.openxmlformats.org/drawingml/2006/compatibility" xmlns:p14="http://schemas.microsoft.com/office/powerpoint/2010/main" xmlns:p15="http://schemas.microsoft.com/office/powerpoint/2012/main" xmlns:ahyp="http://schemas.microsoft.com/office/drawing/2018/hyperlinkcolor">
   <p:cSld>
@@ -8984,287 +9708,45 @@
               <a:buNone/>
             </a:pPr>
             <a:r>
-              <a:rPr lang="en"/>
-              <a:t>Know a 2nd language? </a:t>
-            </a:r>
-            <a:br>
-              <a:rPr lang="en"/>
-            </a:br>
-            <a:r>
-              <a:rPr lang="en"/>
-              <a:t>Make Google Translate  even better by joining </a:t>
-            </a:r>
-            <a:br>
-              <a:rPr lang="en"/>
-            </a:br>
-            <a:r>
-              <a:rPr lang="en"/>
-              <a:t>the </a:t>
+              <a:rPr lang="en" sz="2400"/>
+              <a:t>4a.  </a:t>
             </a:r>
             <a:r>
-              <a:rPr lang="en">
-                <a:solidFill>
-                  <a:schemeClr val="accent5"/>
-                </a:solidFill>
-                <a:uFill>
-                  <a:noFill/>
-                </a:uFill>
-                <a:hlinkClick r:id="rId4">
-                  <a:extLst>
-                    <a:ext uri="{A12FA001-AC4F-418D-AE19-62706E023703}">
-                      <ahyp:hlinkClr val="tx"/>
-                    </a:ext>
-                  </a:extLst>
-                </a:hlinkClick>
-              </a:rPr>
-              <a:t>community</a:t>
+              <a:rPr lang="en" sz="2400"/>
+              <a:t>Interface</a:t>
             </a:r>
-            <a:r>
-              <a:rPr lang="en"/>
-              <a:t>.</a:t>
-            </a:r>
-            <a:endParaRPr/>
+            <a:endParaRPr sz="2400"/>
           </a:p>
         </p:txBody>
       </p:sp>
-      <p:grpSp>
-        <p:nvGrpSpPr>
+      <p:pic>
+        <p:nvPicPr>
           <p:cNvPr id="105" name="Google Shape;105;p18"/>
-          <p:cNvGrpSpPr/>
+          <p:cNvPicPr preferRelativeResize="0"/>
           <p:nvPr/>
-        </p:nvGrpSpPr>
-        <p:grpSpPr>
+        </p:nvPicPr>
+        <p:blipFill>
+          <a:blip r:embed="rId4">
+            <a:alphaModFix/>
+          </a:blip>
+          <a:stretch>
+            <a:fillRect/>
+          </a:stretch>
+        </p:blipFill>
+        <p:spPr>
           <a:xfrm>
-            <a:off x="6781388" y="2464029"/>
-            <a:ext cx="2212050" cy="2537076"/>
-            <a:chOff x="6803275" y="395363"/>
-            <a:chExt cx="2212050" cy="2537076"/>
+            <a:off x="380125" y="1373950"/>
+            <a:ext cx="5714076" cy="3025575"/>
           </a:xfrm>
-        </p:grpSpPr>
-        <p:pic>
-          <p:nvPicPr>
-            <p:cNvPr id="106" name="Google Shape;106;p18"/>
-            <p:cNvPicPr preferRelativeResize="0"/>
-            <p:nvPr/>
-          </p:nvPicPr>
-          <p:blipFill>
-            <a:blip r:embed="rId5">
-              <a:alphaModFix/>
-            </a:blip>
-            <a:stretch>
-              <a:fillRect/>
-            </a:stretch>
-          </p:blipFill>
-          <p:spPr>
-            <a:xfrm>
-              <a:off x="6803275" y="427445"/>
-              <a:ext cx="2212050" cy="2504994"/>
-            </a:xfrm>
-            <a:prstGeom prst="rect">
-              <a:avLst/>
-            </a:prstGeom>
+          <a:prstGeom prst="rect">
+            <a:avLst/>
+          </a:prstGeom>
+          <a:noFill/>
+          <a:ln>
             <a:noFill/>
-            <a:ln>
-              <a:noFill/>
-            </a:ln>
-          </p:spPr>
-        </p:pic>
-        <p:pic>
-          <p:nvPicPr>
-            <p:cNvPr descr="Piece of duct tape sticking a note to the slide" id="107" name="Google Shape;107;p18"/>
-            <p:cNvPicPr preferRelativeResize="0"/>
-            <p:nvPr/>
-          </p:nvPicPr>
-          <p:blipFill rotWithShape="1">
-            <a:blip r:embed="rId6">
-              <a:alphaModFix/>
-            </a:blip>
-            <a:srcRect b="10011" l="9244" r="2118" t="5926"/>
-            <a:stretch/>
-          </p:blipFill>
-          <p:spPr>
-            <a:xfrm rot="154826">
-              <a:off x="7370663" y="419419"/>
-              <a:ext cx="1077273" cy="382687"/>
-            </a:xfrm>
-            <a:prstGeom prst="rect">
-              <a:avLst/>
-            </a:prstGeom>
-            <a:noFill/>
-            <a:ln>
-              <a:noFill/>
-            </a:ln>
-          </p:spPr>
-        </p:pic>
-        <p:sp>
-          <p:nvSpPr>
-            <p:cNvPr id="108" name="Google Shape;108;p18"/>
-            <p:cNvSpPr txBox="1"/>
-            <p:nvPr/>
-          </p:nvSpPr>
-          <p:spPr>
-            <a:xfrm>
-              <a:off x="6944800" y="684231"/>
-              <a:ext cx="1929000" cy="2004000"/>
-            </a:xfrm>
-            <a:prstGeom prst="rect">
-              <a:avLst/>
-            </a:prstGeom>
-            <a:noFill/>
-            <a:ln>
-              <a:noFill/>
-            </a:ln>
-          </p:spPr>
-          <p:txBody>
-            <a:bodyPr anchorCtr="0" anchor="t" bIns="91425" lIns="91425" spcFirstLastPara="1" rIns="91425" wrap="square" tIns="91425">
-              <a:noAutofit/>
-            </a:bodyPr>
-            <a:lstStyle/>
-            <a:p>
-              <a:pPr indent="0" lvl="0" marL="0" rtl="0" algn="l">
-                <a:spcBef>
-                  <a:spcPts val="0"/>
-                </a:spcBef>
-                <a:spcAft>
-                  <a:spcPts val="0"/>
-                </a:spcAft>
-                <a:buNone/>
-              </a:pPr>
-              <a:r>
-                <a:rPr b="1" lang="en">
-                  <a:solidFill>
-                    <a:schemeClr val="dk1"/>
-                  </a:solidFill>
-                  <a:latin typeface="Raleway"/>
-                  <a:ea typeface="Raleway"/>
-                  <a:cs typeface="Raleway"/>
-                  <a:sym typeface="Raleway"/>
-                </a:rPr>
-                <a:t>Tip</a:t>
-              </a:r>
-              <a:endParaRPr b="1">
-                <a:solidFill>
-                  <a:schemeClr val="dk1"/>
-                </a:solidFill>
-                <a:latin typeface="Raleway"/>
-                <a:ea typeface="Raleway"/>
-                <a:cs typeface="Raleway"/>
-                <a:sym typeface="Raleway"/>
-              </a:endParaRPr>
-            </a:p>
-            <a:p>
-              <a:pPr indent="0" lvl="0" marL="0" rtl="0" algn="l">
-                <a:spcBef>
-                  <a:spcPts val="800"/>
-                </a:spcBef>
-                <a:spcAft>
-                  <a:spcPts val="0"/>
-                </a:spcAft>
-                <a:buNone/>
-              </a:pPr>
-              <a:r>
-                <a:rPr lang="en" sz="1200">
-                  <a:solidFill>
-                    <a:schemeClr val="dk2"/>
-                  </a:solidFill>
-                  <a:latin typeface="Raleway"/>
-                  <a:ea typeface="Raleway"/>
-                  <a:cs typeface="Raleway"/>
-                  <a:sym typeface="Raleway"/>
-                </a:rPr>
-                <a:t>Inspire your audience to act on the information they just learned. </a:t>
-              </a:r>
-              <a:endParaRPr sz="1200">
-                <a:solidFill>
-                  <a:schemeClr val="dk2"/>
-                </a:solidFill>
-                <a:latin typeface="Raleway"/>
-                <a:ea typeface="Raleway"/>
-                <a:cs typeface="Raleway"/>
-                <a:sym typeface="Raleway"/>
-              </a:endParaRPr>
-            </a:p>
-            <a:p>
-              <a:pPr indent="0" lvl="0" marL="0" rtl="0" algn="l">
-                <a:spcBef>
-                  <a:spcPts val="800"/>
-                </a:spcBef>
-                <a:spcAft>
-                  <a:spcPts val="800"/>
-                </a:spcAft>
-                <a:buNone/>
-              </a:pPr>
-              <a:r>
-                <a:rPr lang="en" sz="1200">
-                  <a:solidFill>
-                    <a:schemeClr val="dk2"/>
-                  </a:solidFill>
-                  <a:latin typeface="Raleway"/>
-                  <a:ea typeface="Raleway"/>
-                  <a:cs typeface="Raleway"/>
-                  <a:sym typeface="Raleway"/>
-                </a:rPr>
-                <a:t>Depending on your idea, this can be anything from downloading </a:t>
-              </a:r>
-              <a:br>
-                <a:rPr lang="en" sz="1200">
-                  <a:solidFill>
-                    <a:schemeClr val="dk2"/>
-                  </a:solidFill>
-                  <a:latin typeface="Raleway"/>
-                  <a:ea typeface="Raleway"/>
-                  <a:cs typeface="Raleway"/>
-                  <a:sym typeface="Raleway"/>
-                </a:rPr>
-              </a:br>
-              <a:r>
-                <a:rPr lang="en" sz="1200">
-                  <a:solidFill>
-                    <a:schemeClr val="dk2"/>
-                  </a:solidFill>
-                  <a:latin typeface="Raleway"/>
-                  <a:ea typeface="Raleway"/>
-                  <a:cs typeface="Raleway"/>
-                  <a:sym typeface="Raleway"/>
-                </a:rPr>
-                <a:t>an app to joining </a:t>
-              </a:r>
-              <a:br>
-                <a:rPr lang="en" sz="1200">
-                  <a:solidFill>
-                    <a:schemeClr val="dk2"/>
-                  </a:solidFill>
-                  <a:latin typeface="Raleway"/>
-                  <a:ea typeface="Raleway"/>
-                  <a:cs typeface="Raleway"/>
-                  <a:sym typeface="Raleway"/>
-                </a:rPr>
-              </a:br>
-              <a:r>
-                <a:rPr lang="en" sz="1200">
-                  <a:solidFill>
-                    <a:schemeClr val="dk2"/>
-                  </a:solidFill>
-                  <a:latin typeface="Raleway"/>
-                  <a:ea typeface="Raleway"/>
-                  <a:cs typeface="Raleway"/>
-                  <a:sym typeface="Raleway"/>
-                </a:rPr>
-                <a:t>an organization.</a:t>
-              </a:r>
-              <a:endParaRPr b="1">
-                <a:solidFill>
-                  <a:schemeClr val="dk1"/>
-                </a:solidFill>
-                <a:latin typeface="Raleway"/>
-                <a:ea typeface="Raleway"/>
-                <a:cs typeface="Raleway"/>
-                <a:sym typeface="Raleway"/>
-              </a:endParaRPr>
-            </a:p>
-          </p:txBody>
-        </p:sp>
-      </p:grpSp>
+          </a:ln>
+        </p:spPr>
+      </p:pic>
     </p:spTree>
   </p:cSld>
   <p:clrMapOvr>
@@ -9290,7 +9772,7 @@
     </p:bg>
     <p:spTree>
       <p:nvGrpSpPr>
-        <p:cNvPr id="112" name="Shape 112"/>
+        <p:cNvPr id="109" name="Shape 109"/>
         <p:cNvGrpSpPr/>
         <p:nvPr/>
       </p:nvGrpSpPr>
@@ -9302,9 +9784,67 @@
           <a:chExt cx="0" cy="0"/>
         </a:xfrm>
       </p:grpSpPr>
+      <p:sp>
+        <p:nvSpPr>
+          <p:cNvPr id="110" name="Google Shape;110;p19"/>
+          <p:cNvSpPr txBox="1"/>
+          <p:nvPr/>
+        </p:nvSpPr>
+        <p:spPr>
+          <a:xfrm>
+            <a:off x="572850" y="585050"/>
+            <a:ext cx="8080800" cy="554100"/>
+          </a:xfrm>
+          <a:prstGeom prst="rect">
+            <a:avLst/>
+          </a:prstGeom>
+          <a:noFill/>
+          <a:ln>
+            <a:noFill/>
+          </a:ln>
+        </p:spPr>
+        <p:txBody>
+          <a:bodyPr anchorCtr="0" anchor="t" bIns="91425" lIns="91425" spcFirstLastPara="1" rIns="91425" wrap="square" tIns="91425">
+            <a:spAutoFit/>
+          </a:bodyPr>
+          <a:lstStyle/>
+          <a:p>
+            <a:pPr indent="0" lvl="0" marL="0" rtl="0" algn="l">
+              <a:spcBef>
+                <a:spcPts val="0"/>
+              </a:spcBef>
+              <a:spcAft>
+                <a:spcPts val="0"/>
+              </a:spcAft>
+              <a:buNone/>
+            </a:pPr>
+            <a:r>
+              <a:rPr b="1" lang="en" sz="2400">
+                <a:solidFill>
+                  <a:schemeClr val="lt1"/>
+                </a:solidFill>
+                <a:latin typeface="Lato"/>
+                <a:ea typeface="Lato"/>
+                <a:cs typeface="Lato"/>
+                <a:sym typeface="Lato"/>
+              </a:rPr>
+              <a:t>4b.  Display All Books</a:t>
+            </a:r>
+            <a:endParaRPr b="1" sz="2400">
+              <a:solidFill>
+                <a:schemeClr val="lt1"/>
+              </a:solidFill>
+              <a:latin typeface="Lato"/>
+              <a:ea typeface="Lato"/>
+              <a:cs typeface="Lato"/>
+              <a:sym typeface="Lato"/>
+            </a:endParaRPr>
+          </a:p>
+        </p:txBody>
+      </p:sp>
       <p:pic>
         <p:nvPicPr>
-          <p:cNvPr id="113" name="Google Shape;113;p19"/>
+          <p:cNvPr id="111" name="Google Shape;111;p19"/>
           <p:cNvPicPr preferRelativeResize="0"/>
           <p:nvPr/>
         </p:nvPicPr>
@@ -9318,8 +9858,131 @@
         </p:blipFill>
         <p:spPr>
           <a:xfrm>
-            <a:off x="2444700" y="162737"/>
-            <a:ext cx="4254600" cy="4818038"/>
+            <a:off x="572850" y="1194025"/>
+            <a:ext cx="7760646" cy="3699550"/>
+          </a:xfrm>
+          <a:prstGeom prst="rect">
+            <a:avLst/>
+          </a:prstGeom>
+          <a:noFill/>
+          <a:ln>
+            <a:noFill/>
+          </a:ln>
+        </p:spPr>
+      </p:pic>
+    </p:spTree>
+  </p:cSld>
+  <p:clrMapOvr>
+    <a:masterClrMapping/>
+  </p:clrMapOvr>
+</p:sld>
+</file>
+
+<file path=ppt/slides/slide8.xml><?xml version="1.0" encoding="utf-8"?>
+<p:sld xmlns:a="http://schemas.openxmlformats.org/drawingml/2006/main" xmlns:r="http://schemas.openxmlformats.org/officeDocument/2006/relationships" xmlns:mc="http://schemas.openxmlformats.org/markup-compatibility/2006" xmlns:mv="urn:schemas-microsoft-com:mac:vml" xmlns:p="http://schemas.openxmlformats.org/presentationml/2006/main" xmlns:c="http://schemas.openxmlformats.org/drawingml/2006/chart" xmlns:dgm="http://schemas.openxmlformats.org/drawingml/2006/diagram" xmlns:o="urn:schemas-microsoft-com:office:office" xmlns:v="urn:schemas-microsoft-com:vml" xmlns:pvml="urn:schemas-microsoft-com:office:powerpoint" xmlns:com="http://schemas.openxmlformats.org/drawingml/2006/compatibility" xmlns:p14="http://schemas.microsoft.com/office/powerpoint/2010/main" xmlns:p15="http://schemas.microsoft.com/office/powerpoint/2012/main" xmlns:ahyp="http://schemas.microsoft.com/office/drawing/2018/hyperlinkcolor">
+  <p:cSld>
+    <p:bg>
+      <p:bgPr>
+        <a:blipFill>
+          <a:blip r:embed="rId3">
+            <a:alphaModFix/>
+          </a:blip>
+          <a:stretch>
+            <a:fillRect/>
+          </a:stretch>
+        </a:blipFill>
+      </p:bgPr>
+    </p:bg>
+    <p:spTree>
+      <p:nvGrpSpPr>
+        <p:cNvPr id="115" name="Shape 115"/>
+        <p:cNvGrpSpPr/>
+        <p:nvPr/>
+      </p:nvGrpSpPr>
+      <p:grpSpPr>
+        <a:xfrm>
+          <a:off x="0" y="0"/>
+          <a:ext cx="0" cy="0"/>
+          <a:chOff x="0" y="0"/>
+          <a:chExt cx="0" cy="0"/>
+        </a:xfrm>
+      </p:grpSpPr>
+      <p:sp>
+        <p:nvSpPr>
+          <p:cNvPr id="116" name="Google Shape;116;p20"/>
+          <p:cNvSpPr txBox="1"/>
+          <p:nvPr/>
+        </p:nvSpPr>
+        <p:spPr>
+          <a:xfrm>
+            <a:off x="365650" y="268150"/>
+            <a:ext cx="8495400" cy="554100"/>
+          </a:xfrm>
+          <a:prstGeom prst="rect">
+            <a:avLst/>
+          </a:prstGeom>
+          <a:noFill/>
+          <a:ln>
+            <a:noFill/>
+          </a:ln>
+        </p:spPr>
+        <p:txBody>
+          <a:bodyPr anchorCtr="0" anchor="t" bIns="91425" lIns="91425" spcFirstLastPara="1" rIns="91425" wrap="square" tIns="91425">
+            <a:spAutoFit/>
+          </a:bodyPr>
+          <a:lstStyle/>
+          <a:p>
+            <a:pPr indent="0" lvl="0" marL="0" rtl="0" algn="l">
+              <a:spcBef>
+                <a:spcPts val="0"/>
+              </a:spcBef>
+              <a:spcAft>
+                <a:spcPts val="0"/>
+              </a:spcAft>
+              <a:buNone/>
+            </a:pPr>
+            <a:r>
+              <a:rPr b="1" lang="en" sz="2400">
+                <a:solidFill>
+                  <a:schemeClr val="lt1"/>
+                </a:solidFill>
+                <a:latin typeface="Lato"/>
+                <a:ea typeface="Lato"/>
+                <a:cs typeface="Lato"/>
+                <a:sym typeface="Lato"/>
+              </a:rPr>
+              <a:t>4c.  Add Book into Library</a:t>
+            </a:r>
+            <a:endParaRPr b="1" sz="2400">
+              <a:solidFill>
+                <a:schemeClr val="lt1"/>
+              </a:solidFill>
+              <a:latin typeface="Lato"/>
+              <a:ea typeface="Lato"/>
+              <a:cs typeface="Lato"/>
+              <a:sym typeface="Lato"/>
+            </a:endParaRPr>
+          </a:p>
+        </p:txBody>
+      </p:sp>
+      <p:pic>
+        <p:nvPicPr>
+          <p:cNvPr id="117" name="Google Shape;117;p20"/>
+          <p:cNvPicPr preferRelativeResize="0"/>
+          <p:nvPr/>
+        </p:nvPicPr>
+        <p:blipFill>
+          <a:blip r:embed="rId4">
+            <a:alphaModFix/>
+          </a:blip>
+          <a:stretch>
+            <a:fillRect/>
+          </a:stretch>
+        </p:blipFill>
+        <p:spPr>
+          <a:xfrm>
+            <a:off x="152400" y="974650"/>
+            <a:ext cx="3025642" cy="1597100"/>
           </a:xfrm>
           <a:prstGeom prst="rect">
             <a:avLst/>
@@ -9332,21 +9995,22 @@
       </p:pic>
       <p:pic>
         <p:nvPicPr>
-          <p:cNvPr descr="Piece of duct tape sticking a note to the slide" id="114" name="Google Shape;114;p19"/>
+          <p:cNvPr id="118" name="Google Shape;118;p20"/>
           <p:cNvPicPr preferRelativeResize="0"/>
           <p:nvPr/>
         </p:nvPicPr>
-        <p:blipFill rotWithShape="1">
+        <p:blipFill>
           <a:blip r:embed="rId5">
             <a:alphaModFix/>
           </a:blip>
-          <a:srcRect b="10011" l="9244" r="2118" t="5926"/>
-          <a:stretch/>
+          <a:stretch>
+            <a:fillRect/>
+          </a:stretch>
         </p:blipFill>
         <p:spPr>
-          <a:xfrm rot="154828">
-            <a:off x="3536000" y="147301"/>
-            <a:ext cx="2072000" cy="736050"/>
+          <a:xfrm>
+            <a:off x="3275642" y="1035600"/>
+            <a:ext cx="5661158" cy="2843021"/>
           </a:xfrm>
           <a:prstGeom prst="rect">
             <a:avLst/>
@@ -9357,16 +10021,53 @@
           </a:ln>
         </p:spPr>
       </p:pic>
+    </p:spTree>
+  </p:cSld>
+  <p:clrMapOvr>
+    <a:masterClrMapping/>
+  </p:clrMapOvr>
+</p:sld>
+</file>
+
+<file path=ppt/slides/slide9.xml><?xml version="1.0" encoding="utf-8"?>
+<p:sld xmlns:a="http://schemas.openxmlformats.org/drawingml/2006/main" xmlns:r="http://schemas.openxmlformats.org/officeDocument/2006/relationships" xmlns:mc="http://schemas.openxmlformats.org/markup-compatibility/2006" xmlns:mv="urn:schemas-microsoft-com:mac:vml" xmlns:p="http://schemas.openxmlformats.org/presentationml/2006/main" xmlns:c="http://schemas.openxmlformats.org/drawingml/2006/chart" xmlns:dgm="http://schemas.openxmlformats.org/drawingml/2006/diagram" xmlns:o="urn:schemas-microsoft-com:office:office" xmlns:v="urn:schemas-microsoft-com:vml" xmlns:pvml="urn:schemas-microsoft-com:office:powerpoint" xmlns:com="http://schemas.openxmlformats.org/drawingml/2006/compatibility" xmlns:p14="http://schemas.microsoft.com/office/powerpoint/2010/main" xmlns:p15="http://schemas.microsoft.com/office/powerpoint/2012/main" xmlns:ahyp="http://schemas.microsoft.com/office/drawing/2018/hyperlinkcolor">
+  <p:cSld>
+    <p:bg>
+      <p:bgPr>
+        <a:blipFill>
+          <a:blip r:embed="rId3">
+            <a:alphaModFix/>
+          </a:blip>
+          <a:stretch>
+            <a:fillRect/>
+          </a:stretch>
+        </a:blipFill>
+      </p:bgPr>
+    </p:bg>
+    <p:spTree>
+      <p:nvGrpSpPr>
+        <p:cNvPr id="122" name="Shape 122"/>
+        <p:cNvGrpSpPr/>
+        <p:nvPr/>
+      </p:nvGrpSpPr>
+      <p:grpSpPr>
+        <a:xfrm>
+          <a:off x="0" y="0"/>
+          <a:ext cx="0" cy="0"/>
+          <a:chOff x="0" y="0"/>
+          <a:chExt cx="0" cy="0"/>
+        </a:xfrm>
+      </p:grpSpPr>
       <p:sp>
         <p:nvSpPr>
-          <p:cNvPr id="115" name="Google Shape;115;p19"/>
+          <p:cNvPr id="123" name="Google Shape;123;p21"/>
           <p:cNvSpPr txBox="1"/>
           <p:nvPr/>
         </p:nvSpPr>
         <p:spPr>
           <a:xfrm>
-            <a:off x="2855550" y="687397"/>
-            <a:ext cx="3432900" cy="762600"/>
+            <a:off x="499725" y="219400"/>
+            <a:ext cx="8056500" cy="554100"/>
           </a:xfrm>
           <a:prstGeom prst="rect">
             <a:avLst/>
@@ -9377,8 +10078,8 @@
           </a:ln>
         </p:spPr>
         <p:txBody>
-          <a:bodyPr anchorCtr="0" anchor="b" bIns="91425" lIns="91425" spcFirstLastPara="1" rIns="91425" wrap="square" tIns="91425">
-            <a:noAutofit/>
+          <a:bodyPr anchorCtr="0" anchor="t" bIns="91425" lIns="91425" spcFirstLastPara="1" rIns="91425" wrap="square" tIns="91425">
+            <a:spAutoFit/>
           </a:bodyPr>
           <a:lstStyle/>
           <a:p>
@@ -9392,165 +10093,37 @@
               <a:buNone/>
             </a:pPr>
             <a:r>
-              <a:rPr b="1" lang="en" sz="3000">
-                <a:solidFill>
-                  <a:schemeClr val="lt2"/>
-                </a:solidFill>
-                <a:latin typeface="Raleway"/>
-                <a:ea typeface="Raleway"/>
-                <a:cs typeface="Raleway"/>
-                <a:sym typeface="Raleway"/>
+              <a:rPr b="1" lang="en" sz="2400">
+                <a:solidFill>
+                  <a:schemeClr val="lt1"/>
+                </a:solidFill>
+                <a:latin typeface="Lato"/>
+                <a:ea typeface="Lato"/>
+                <a:cs typeface="Lato"/>
+                <a:sym typeface="Lato"/>
               </a:rPr>
-              <a:t>Good luck!</a:t>
+              <a:t>4d.  Issue/Return Book</a:t>
             </a:r>
-            <a:endParaRPr b="1" sz="3000">
+            <a:endParaRPr b="1" sz="2400">
               <a:solidFill>
-                <a:schemeClr val="lt2"/>
+                <a:schemeClr val="lt1"/>
               </a:solidFill>
-              <a:latin typeface="Raleway"/>
-              <a:ea typeface="Raleway"/>
-              <a:cs typeface="Raleway"/>
-              <a:sym typeface="Raleway"/>
-            </a:endParaRPr>
-          </a:p>
-        </p:txBody>
-      </p:sp>
-      <p:sp>
-        <p:nvSpPr>
-          <p:cNvPr id="116" name="Google Shape;116;p19"/>
-          <p:cNvSpPr txBox="1"/>
-          <p:nvPr>
-            <p:ph idx="4294967295" type="body"/>
-          </p:nvPr>
-        </p:nvSpPr>
-        <p:spPr>
-          <a:xfrm>
-            <a:off x="2855550" y="1377478"/>
-            <a:ext cx="3432900" cy="1633500"/>
-          </a:xfrm>
-          <a:prstGeom prst="rect">
-            <a:avLst/>
-          </a:prstGeom>
-        </p:spPr>
-        <p:txBody>
-          <a:bodyPr anchorCtr="0" anchor="t" bIns="91425" lIns="91425" spcFirstLastPara="1" rIns="91425" wrap="square" tIns="91425">
-            <a:noAutofit/>
-          </a:bodyPr>
-          <a:lstStyle/>
-          <a:p>
-            <a:pPr indent="0" lvl="0" marL="0" rtl="0" algn="l">
-              <a:spcBef>
-                <a:spcPts val="0"/>
-              </a:spcBef>
-              <a:spcAft>
-                <a:spcPts val="0"/>
-              </a:spcAft>
-              <a:buClr>
-                <a:schemeClr val="dk2"/>
-              </a:buClr>
-              <a:buSzPts val="1100"/>
-              <a:buFont typeface="Arial"/>
-              <a:buNone/>
-            </a:pPr>
-            <a:r>
-              <a:rPr lang="en" sz="1200">
-                <a:latin typeface="Raleway"/>
-                <a:ea typeface="Raleway"/>
-                <a:cs typeface="Raleway"/>
-                <a:sym typeface="Raleway"/>
-              </a:rPr>
-              <a:t>We hope you’ll use these tips to go out and deliver a memorable pitch for your product </a:t>
-            </a:r>
-            <a:br>
-              <a:rPr lang="en" sz="1200">
-                <a:latin typeface="Raleway"/>
-                <a:ea typeface="Raleway"/>
-                <a:cs typeface="Raleway"/>
-                <a:sym typeface="Raleway"/>
-              </a:rPr>
-            </a:br>
-            <a:r>
-              <a:rPr lang="en" sz="1200">
-                <a:latin typeface="Raleway"/>
-                <a:ea typeface="Raleway"/>
-                <a:cs typeface="Raleway"/>
-                <a:sym typeface="Raleway"/>
-              </a:rPr>
-              <a:t>or service!</a:t>
-            </a:r>
-            <a:endParaRPr sz="1200">
-              <a:latin typeface="Raleway"/>
-              <a:ea typeface="Raleway"/>
-              <a:cs typeface="Raleway"/>
-              <a:sym typeface="Raleway"/>
-            </a:endParaRPr>
-          </a:p>
-          <a:p>
-            <a:pPr indent="0" lvl="0" marL="0" rtl="0" algn="l">
-              <a:spcBef>
-                <a:spcPts val="1200"/>
-              </a:spcBef>
-              <a:spcAft>
-                <a:spcPts val="1200"/>
-              </a:spcAft>
-              <a:buNone/>
-            </a:pPr>
-            <a:r>
-              <a:rPr lang="en" sz="1200">
-                <a:latin typeface="Raleway"/>
-                <a:ea typeface="Raleway"/>
-                <a:cs typeface="Raleway"/>
-                <a:sym typeface="Raleway"/>
-              </a:rPr>
-              <a:t>For more (free) presentation tips relevant to other types of messages, go to</a:t>
-            </a:r>
-            <a:br>
-              <a:rPr lang="en" sz="1200">
-                <a:latin typeface="Raleway"/>
-                <a:ea typeface="Raleway"/>
-                <a:cs typeface="Raleway"/>
-                <a:sym typeface="Raleway"/>
-              </a:rPr>
-            </a:br>
-            <a:r>
-              <a:rPr lang="en" sz="1200" u="sng">
-                <a:solidFill>
-                  <a:schemeClr val="dk1"/>
-                </a:solidFill>
-                <a:latin typeface="Raleway"/>
-                <a:ea typeface="Raleway"/>
-                <a:cs typeface="Raleway"/>
-                <a:sym typeface="Raleway"/>
-                <a:hlinkClick r:id="rId6">
-                  <a:extLst>
-                    <a:ext uri="{A12FA001-AC4F-418D-AE19-62706E023703}">
-                      <ahyp:hlinkClr val="tx"/>
-                    </a:ext>
-                  </a:extLst>
-                </a:hlinkClick>
-              </a:rPr>
-              <a:t>heathbrothers.com/presentations</a:t>
-            </a:r>
-            <a:endParaRPr sz="1200" u="sng">
-              <a:solidFill>
-                <a:schemeClr val="dk1"/>
-              </a:solidFill>
-              <a:latin typeface="Raleway"/>
-              <a:ea typeface="Raleway"/>
-              <a:cs typeface="Raleway"/>
-              <a:sym typeface="Raleway"/>
+              <a:latin typeface="Lato"/>
+              <a:ea typeface="Lato"/>
+              <a:cs typeface="Lato"/>
+              <a:sym typeface="Lato"/>
             </a:endParaRPr>
           </a:p>
         </p:txBody>
       </p:sp>
       <p:pic>
         <p:nvPicPr>
-          <p:cNvPr descr="Book titled, &quot;Made To Stick,&quot; standing on its side" id="117" name="Google Shape;117;p19"/>
+          <p:cNvPr id="124" name="Google Shape;124;p21"/>
           <p:cNvPicPr preferRelativeResize="0"/>
           <p:nvPr/>
         </p:nvPicPr>
         <p:blipFill>
-          <a:blip r:embed="rId7">
+          <a:blip r:embed="rId4">
             <a:alphaModFix/>
           </a:blip>
           <a:stretch>
@@ -9559,8 +10132,8 @@
         </p:blipFill>
         <p:spPr>
           <a:xfrm>
-            <a:off x="5176950" y="3083225"/>
-            <a:ext cx="1184925" cy="1545950"/>
+            <a:off x="432750" y="3753625"/>
+            <a:ext cx="3565050" cy="1222025"/>
           </a:xfrm>
           <a:prstGeom prst="rect">
             <a:avLst/>
@@ -9571,16 +10144,24 @@
           </a:ln>
         </p:spPr>
       </p:pic>
-      <p:sp>
-        <p:nvSpPr>
-          <p:cNvPr id="118" name="Google Shape;118;p19"/>
-          <p:cNvSpPr txBox="1"/>
+      <p:pic>
+        <p:nvPicPr>
+          <p:cNvPr id="125" name="Google Shape;125;p21"/>
+          <p:cNvPicPr preferRelativeResize="0"/>
           <p:nvPr/>
-        </p:nvSpPr>
+        </p:nvPicPr>
+        <p:blipFill>
+          <a:blip r:embed="rId5">
+            <a:alphaModFix/>
+          </a:blip>
+          <a:stretch>
+            <a:fillRect/>
+          </a:stretch>
+        </p:blipFill>
         <p:spPr>
           <a:xfrm>
-            <a:off x="2855550" y="3495513"/>
-            <a:ext cx="2103000" cy="1012200"/>
+            <a:off x="432750" y="828375"/>
+            <a:ext cx="5344551" cy="1409750"/>
           </a:xfrm>
           <a:prstGeom prst="rect">
             <a:avLst/>
@@ -9590,48 +10171,35 @@
             <a:noFill/>
           </a:ln>
         </p:spPr>
-        <p:txBody>
-          <a:bodyPr anchorCtr="0" anchor="b" bIns="91425" lIns="91425" spcFirstLastPara="1" rIns="91425" wrap="square" tIns="91425">
-            <a:noAutofit/>
-          </a:bodyPr>
-          <a:lstStyle/>
-          <a:p>
-            <a:pPr indent="0" lvl="0" marL="0" rtl="0" algn="l">
-              <a:lnSpc>
-                <a:spcPct val="115000"/>
-              </a:lnSpc>
-              <a:spcBef>
-                <a:spcPts val="0"/>
-              </a:spcBef>
-              <a:spcAft>
-                <a:spcPts val="0"/>
-              </a:spcAft>
-              <a:buNone/>
-            </a:pPr>
-            <a:r>
-              <a:rPr lang="en" sz="1200">
-                <a:solidFill>
-                  <a:schemeClr val="dk2"/>
-                </a:solidFill>
-                <a:latin typeface="Raleway"/>
-                <a:ea typeface="Raleway"/>
-                <a:cs typeface="Raleway"/>
-                <a:sym typeface="Raleway"/>
-              </a:rPr>
-              <a:t>For more about making your ideas stick with others, check out our book!</a:t>
-            </a:r>
-            <a:endParaRPr sz="1200">
-              <a:solidFill>
-                <a:schemeClr val="dk2"/>
-              </a:solidFill>
-              <a:latin typeface="Raleway"/>
-              <a:ea typeface="Raleway"/>
-              <a:cs typeface="Raleway"/>
-              <a:sym typeface="Raleway"/>
-            </a:endParaRPr>
-          </a:p>
-        </p:txBody>
-      </p:sp>
+      </p:pic>
+      <p:pic>
+        <p:nvPicPr>
+          <p:cNvPr id="126" name="Google Shape;126;p21"/>
+          <p:cNvPicPr preferRelativeResize="0"/>
+          <p:nvPr/>
+        </p:nvPicPr>
+        <p:blipFill>
+          <a:blip r:embed="rId6">
+            <a:alphaModFix/>
+          </a:blip>
+          <a:stretch>
+            <a:fillRect/>
+          </a:stretch>
+        </p:blipFill>
+        <p:spPr>
+          <a:xfrm>
+            <a:off x="152400" y="2619737"/>
+            <a:ext cx="8839198" cy="752272"/>
+          </a:xfrm>
+          <a:prstGeom prst="rect">
+            <a:avLst/>
+          </a:prstGeom>
+          <a:noFill/>
+          <a:ln>
+            <a:noFill/>
+          </a:ln>
+        </p:spPr>
+      </p:pic>
     </p:spTree>
   </p:cSld>
   <p:clrMapOvr>
